--- a/static/images/JP.pptx
+++ b/static/images/JP.pptx
@@ -261,7 +261,7 @@
           <a:p>
             <a:fld id="{7845FF77-A9C9-5345-AD76-F1CBA43EB647}" type="datetimeFigureOut">
               <a:rPr lang="en-NL" smtClean="0"/>
-              <a:t>11/01/2023</a:t>
+              <a:t>11/06/2023</a:t>
             </a:fld>
             <a:endParaRPr lang="en-NL"/>
           </a:p>
@@ -461,7 +461,7 @@
           <a:p>
             <a:fld id="{7845FF77-A9C9-5345-AD76-F1CBA43EB647}" type="datetimeFigureOut">
               <a:rPr lang="en-NL" smtClean="0"/>
-              <a:t>11/01/2023</a:t>
+              <a:t>11/06/2023</a:t>
             </a:fld>
             <a:endParaRPr lang="en-NL"/>
           </a:p>
@@ -671,7 +671,7 @@
           <a:p>
             <a:fld id="{7845FF77-A9C9-5345-AD76-F1CBA43EB647}" type="datetimeFigureOut">
               <a:rPr lang="en-NL" smtClean="0"/>
-              <a:t>11/01/2023</a:t>
+              <a:t>11/06/2023</a:t>
             </a:fld>
             <a:endParaRPr lang="en-NL"/>
           </a:p>
@@ -871,7 +871,7 @@
           <a:p>
             <a:fld id="{7845FF77-A9C9-5345-AD76-F1CBA43EB647}" type="datetimeFigureOut">
               <a:rPr lang="en-NL" smtClean="0"/>
-              <a:t>11/01/2023</a:t>
+              <a:t>11/06/2023</a:t>
             </a:fld>
             <a:endParaRPr lang="en-NL"/>
           </a:p>
@@ -1147,7 +1147,7 @@
           <a:p>
             <a:fld id="{7845FF77-A9C9-5345-AD76-F1CBA43EB647}" type="datetimeFigureOut">
               <a:rPr lang="en-NL" smtClean="0"/>
-              <a:t>11/01/2023</a:t>
+              <a:t>11/06/2023</a:t>
             </a:fld>
             <a:endParaRPr lang="en-NL"/>
           </a:p>
@@ -1415,7 +1415,7 @@
           <a:p>
             <a:fld id="{7845FF77-A9C9-5345-AD76-F1CBA43EB647}" type="datetimeFigureOut">
               <a:rPr lang="en-NL" smtClean="0"/>
-              <a:t>11/01/2023</a:t>
+              <a:t>11/06/2023</a:t>
             </a:fld>
             <a:endParaRPr lang="en-NL"/>
           </a:p>
@@ -1830,7 +1830,7 @@
           <a:p>
             <a:fld id="{7845FF77-A9C9-5345-AD76-F1CBA43EB647}" type="datetimeFigureOut">
               <a:rPr lang="en-NL" smtClean="0"/>
-              <a:t>11/01/2023</a:t>
+              <a:t>11/06/2023</a:t>
             </a:fld>
             <a:endParaRPr lang="en-NL"/>
           </a:p>
@@ -1972,7 +1972,7 @@
           <a:p>
             <a:fld id="{7845FF77-A9C9-5345-AD76-F1CBA43EB647}" type="datetimeFigureOut">
               <a:rPr lang="en-NL" smtClean="0"/>
-              <a:t>11/01/2023</a:t>
+              <a:t>11/06/2023</a:t>
             </a:fld>
             <a:endParaRPr lang="en-NL"/>
           </a:p>
@@ -2085,7 +2085,7 @@
           <a:p>
             <a:fld id="{7845FF77-A9C9-5345-AD76-F1CBA43EB647}" type="datetimeFigureOut">
               <a:rPr lang="en-NL" smtClean="0"/>
-              <a:t>11/01/2023</a:t>
+              <a:t>11/06/2023</a:t>
             </a:fld>
             <a:endParaRPr lang="en-NL"/>
           </a:p>
@@ -2398,7 +2398,7 @@
           <a:p>
             <a:fld id="{7845FF77-A9C9-5345-AD76-F1CBA43EB647}" type="datetimeFigureOut">
               <a:rPr lang="en-NL" smtClean="0"/>
-              <a:t>11/01/2023</a:t>
+              <a:t>11/06/2023</a:t>
             </a:fld>
             <a:endParaRPr lang="en-NL"/>
           </a:p>
@@ -2687,7 +2687,7 @@
           <a:p>
             <a:fld id="{7845FF77-A9C9-5345-AD76-F1CBA43EB647}" type="datetimeFigureOut">
               <a:rPr lang="en-NL" smtClean="0"/>
-              <a:t>11/01/2023</a:t>
+              <a:t>11/06/2023</a:t>
             </a:fld>
             <a:endParaRPr lang="en-NL"/>
           </a:p>
@@ -2930,7 +2930,7 @@
           <a:p>
             <a:fld id="{7845FF77-A9C9-5345-AD76-F1CBA43EB647}" type="datetimeFigureOut">
               <a:rPr lang="en-NL" smtClean="0"/>
-              <a:t>11/01/2023</a:t>
+              <a:t>11/06/2023</a:t>
             </a:fld>
             <a:endParaRPr lang="en-NL"/>
           </a:p>
@@ -3368,13 +3368,11 @@
         </p:blipFill>
         <p:spPr>
           <a:xfrm>
-            <a:off x="3611792" y="593124"/>
-            <a:ext cx="4968416" cy="4967417"/>
+            <a:off x="4737856" y="2071129"/>
+            <a:ext cx="2716287" cy="2715741"/>
           </a:xfrm>
           <a:prstGeom prst="roundRect">
-            <a:avLst>
-              <a:gd name="adj" fmla="val 29362"/>
-            </a:avLst>
+            <a:avLst/>
           </a:prstGeom>
         </p:spPr>
       </p:pic>
